--- a/BrickGame.pptx
+++ b/BrickGame.pptx
@@ -108,6 +108,22 @@
       </a:defRPr>
     </a:lvl9pPr>
   </p:defaultTextStyle>
+  <p:extLst>
+    <p:ext uri="{EFAFB233-063F-42B5-8137-9DF3F51BA10A}">
+      <p15:sldGuideLst xmlns:p15="http://schemas.microsoft.com/office/powerpoint/2012/main">
+        <p15:guide id="1" orient="horz" pos="2160">
+          <p15:clr>
+            <a:srgbClr val="A4A3A4"/>
+          </p15:clr>
+        </p15:guide>
+        <p15:guide id="2" pos="2880">
+          <p15:clr>
+            <a:srgbClr val="A4A3A4"/>
+          </p15:clr>
+        </p15:guide>
+      </p15:sldGuideLst>
+    </p:ext>
+  </p:extLst>
 </p:presentation>
 </file>
 
@@ -679,7 +695,7 @@
           </a:lstStyle>
           <a:p>
             <a:r>
-              <a:rPr kumimoji="0" lang="ru-RU" smtClean="0"/>
+              <a:rPr kumimoji="0" lang="ru-RU"/>
               <a:t>Образец заголовка</a:t>
             </a:r>
             <a:endParaRPr kumimoji="0" lang="en-US"/>
@@ -740,7 +756,7 @@
           </a:lstStyle>
           <a:p>
             <a:r>
-              <a:rPr kumimoji="0" lang="ru-RU" smtClean="0"/>
+              <a:rPr kumimoji="0" lang="ru-RU"/>
               <a:t>Образец подзаголовка</a:t>
             </a:r>
             <a:endParaRPr kumimoji="0" lang="en-US"/>
@@ -770,7 +786,7 @@
             <a:fld id="{C3F416CD-67A3-4CF0-A210-F6AF31AC147F}" type="datetimeFigureOut">
               <a:rPr lang="en-US" smtClean="0"/>
               <a:pPr/>
-              <a:t>3/1/2023</a:t>
+              <a:t>3/2/2023</a:t>
             </a:fld>
             <a:endParaRPr lang="en-US"/>
           </a:p>
@@ -883,7 +899,7 @@
           <a:lstStyle/>
           <a:p>
             <a:r>
-              <a:rPr kumimoji="0" lang="ru-RU" smtClean="0"/>
+              <a:rPr kumimoji="0" lang="ru-RU"/>
               <a:t>Образец заголовка</a:t>
             </a:r>
             <a:endParaRPr kumimoji="0" lang="en-US"/>
@@ -907,35 +923,35 @@
           <a:p>
             <a:pPr lvl="0" eaLnBrk="1" latinLnBrk="0" hangingPunct="1"/>
             <a:r>
-              <a:rPr lang="ru-RU" smtClean="0"/>
+              <a:rPr lang="ru-RU"/>
               <a:t>Образец текста</a:t>
             </a:r>
           </a:p>
           <a:p>
             <a:pPr lvl="1" eaLnBrk="1" latinLnBrk="0" hangingPunct="1"/>
             <a:r>
-              <a:rPr lang="ru-RU" smtClean="0"/>
+              <a:rPr lang="ru-RU"/>
               <a:t>Второй уровень</a:t>
             </a:r>
           </a:p>
           <a:p>
             <a:pPr lvl="2" eaLnBrk="1" latinLnBrk="0" hangingPunct="1"/>
             <a:r>
-              <a:rPr lang="ru-RU" smtClean="0"/>
+              <a:rPr lang="ru-RU"/>
               <a:t>Третий уровень</a:t>
             </a:r>
           </a:p>
           <a:p>
             <a:pPr lvl="3" eaLnBrk="1" latinLnBrk="0" hangingPunct="1"/>
             <a:r>
-              <a:rPr lang="ru-RU" smtClean="0"/>
+              <a:rPr lang="ru-RU"/>
               <a:t>Четвертый уровень</a:t>
             </a:r>
           </a:p>
           <a:p>
             <a:pPr lvl="4" eaLnBrk="1" latinLnBrk="0" hangingPunct="1"/>
             <a:r>
-              <a:rPr lang="ru-RU" smtClean="0"/>
+              <a:rPr lang="ru-RU"/>
               <a:t>Пятый уровень</a:t>
             </a:r>
             <a:endParaRPr kumimoji="0" lang="en-US"/>
@@ -960,7 +976,7 @@
             <a:fld id="{C3F416CD-67A3-4CF0-A210-F6AF31AC147F}" type="datetimeFigureOut">
               <a:rPr lang="en-US" smtClean="0"/>
               <a:pPr/>
-              <a:t>3/1/2023</a:t>
+              <a:t>3/2/2023</a:t>
             </a:fld>
             <a:endParaRPr lang="en-US"/>
           </a:p>
@@ -1055,7 +1071,7 @@
           <a:lstStyle/>
           <a:p>
             <a:r>
-              <a:rPr kumimoji="0" lang="ru-RU" smtClean="0"/>
+              <a:rPr kumimoji="0" lang="ru-RU"/>
               <a:t>Образец заголовка</a:t>
             </a:r>
             <a:endParaRPr kumimoji="0" lang="en-US"/>
@@ -1084,35 +1100,35 @@
           <a:p>
             <a:pPr lvl="0" eaLnBrk="1" latinLnBrk="0" hangingPunct="1"/>
             <a:r>
-              <a:rPr lang="ru-RU" smtClean="0"/>
+              <a:rPr lang="ru-RU"/>
               <a:t>Образец текста</a:t>
             </a:r>
           </a:p>
           <a:p>
             <a:pPr lvl="1" eaLnBrk="1" latinLnBrk="0" hangingPunct="1"/>
             <a:r>
-              <a:rPr lang="ru-RU" smtClean="0"/>
+              <a:rPr lang="ru-RU"/>
               <a:t>Второй уровень</a:t>
             </a:r>
           </a:p>
           <a:p>
             <a:pPr lvl="2" eaLnBrk="1" latinLnBrk="0" hangingPunct="1"/>
             <a:r>
-              <a:rPr lang="ru-RU" smtClean="0"/>
+              <a:rPr lang="ru-RU"/>
               <a:t>Третий уровень</a:t>
             </a:r>
           </a:p>
           <a:p>
             <a:pPr lvl="3" eaLnBrk="1" latinLnBrk="0" hangingPunct="1"/>
             <a:r>
-              <a:rPr lang="ru-RU" smtClean="0"/>
+              <a:rPr lang="ru-RU"/>
               <a:t>Четвертый уровень</a:t>
             </a:r>
           </a:p>
           <a:p>
             <a:pPr lvl="4" eaLnBrk="1" latinLnBrk="0" hangingPunct="1"/>
             <a:r>
-              <a:rPr lang="ru-RU" smtClean="0"/>
+              <a:rPr lang="ru-RU"/>
               <a:t>Пятый уровень</a:t>
             </a:r>
             <a:endParaRPr kumimoji="0" lang="en-US"/>
@@ -1137,7 +1153,7 @@
             <a:fld id="{C3F416CD-67A3-4CF0-A210-F6AF31AC147F}" type="datetimeFigureOut">
               <a:rPr lang="en-US" smtClean="0"/>
               <a:pPr/>
-              <a:t>3/1/2023</a:t>
+              <a:t>3/2/2023</a:t>
             </a:fld>
             <a:endParaRPr lang="en-US"/>
           </a:p>
@@ -1227,7 +1243,7 @@
           <a:lstStyle/>
           <a:p>
             <a:r>
-              <a:rPr kumimoji="0" lang="ru-RU" smtClean="0"/>
+              <a:rPr kumimoji="0" lang="ru-RU"/>
               <a:t>Образец заголовка</a:t>
             </a:r>
             <a:endParaRPr kumimoji="0" lang="en-US"/>
@@ -1251,35 +1267,35 @@
           <a:p>
             <a:pPr lvl="0" eaLnBrk="1" latinLnBrk="0" hangingPunct="1"/>
             <a:r>
-              <a:rPr lang="ru-RU" smtClean="0"/>
+              <a:rPr lang="ru-RU"/>
               <a:t>Образец текста</a:t>
             </a:r>
           </a:p>
           <a:p>
             <a:pPr lvl="1" eaLnBrk="1" latinLnBrk="0" hangingPunct="1"/>
             <a:r>
-              <a:rPr lang="ru-RU" smtClean="0"/>
+              <a:rPr lang="ru-RU"/>
               <a:t>Второй уровень</a:t>
             </a:r>
           </a:p>
           <a:p>
             <a:pPr lvl="2" eaLnBrk="1" latinLnBrk="0" hangingPunct="1"/>
             <a:r>
-              <a:rPr lang="ru-RU" smtClean="0"/>
+              <a:rPr lang="ru-RU"/>
               <a:t>Третий уровень</a:t>
             </a:r>
           </a:p>
           <a:p>
             <a:pPr lvl="3" eaLnBrk="1" latinLnBrk="0" hangingPunct="1"/>
             <a:r>
-              <a:rPr lang="ru-RU" smtClean="0"/>
+              <a:rPr lang="ru-RU"/>
               <a:t>Четвертый уровень</a:t>
             </a:r>
           </a:p>
           <a:p>
             <a:pPr lvl="4" eaLnBrk="1" latinLnBrk="0" hangingPunct="1"/>
             <a:r>
-              <a:rPr lang="ru-RU" smtClean="0"/>
+              <a:rPr lang="ru-RU"/>
               <a:t>Пятый уровень</a:t>
             </a:r>
             <a:endParaRPr kumimoji="0" lang="en-US"/>
@@ -1304,7 +1320,7 @@
             <a:fld id="{C3F416CD-67A3-4CF0-A210-F6AF31AC147F}" type="datetimeFigureOut">
               <a:rPr lang="en-US" smtClean="0"/>
               <a:pPr/>
-              <a:t>3/1/2023</a:t>
+              <a:t>3/2/2023</a:t>
             </a:fld>
             <a:endParaRPr lang="en-US"/>
           </a:p>
@@ -1425,7 +1441,7 @@
           </a:lstStyle>
           <a:p>
             <a:r>
-              <a:rPr kumimoji="0" lang="ru-RU" smtClean="0"/>
+              <a:rPr kumimoji="0" lang="ru-RU"/>
               <a:t>Образец заголовка</a:t>
             </a:r>
             <a:endParaRPr kumimoji="0" lang="en-US"/>
@@ -1503,7 +1519,7 @@
           <a:p>
             <a:pPr lvl="0" eaLnBrk="1" latinLnBrk="0" hangingPunct="1"/>
             <a:r>
-              <a:rPr kumimoji="0" lang="ru-RU" smtClean="0"/>
+              <a:rPr kumimoji="0" lang="ru-RU"/>
               <a:t>Образец текста</a:t>
             </a:r>
           </a:p>
@@ -1527,7 +1543,7 @@
             <a:fld id="{C3F416CD-67A3-4CF0-A210-F6AF31AC147F}" type="datetimeFigureOut">
               <a:rPr lang="en-US" smtClean="0"/>
               <a:pPr/>
-              <a:t>3/1/2023</a:t>
+              <a:t>3/2/2023</a:t>
             </a:fld>
             <a:endParaRPr lang="en-US"/>
           </a:p>
@@ -1617,7 +1633,7 @@
           <a:lstStyle/>
           <a:p>
             <a:r>
-              <a:rPr kumimoji="0" lang="ru-RU" smtClean="0"/>
+              <a:rPr kumimoji="0" lang="ru-RU"/>
               <a:t>Образец заголовка</a:t>
             </a:r>
             <a:endParaRPr kumimoji="0" lang="en-US"/>
@@ -1662,35 +1678,35 @@
           <a:p>
             <a:pPr lvl="0" eaLnBrk="1" latinLnBrk="0" hangingPunct="1"/>
             <a:r>
-              <a:rPr lang="ru-RU" smtClean="0"/>
+              <a:rPr lang="ru-RU"/>
               <a:t>Образец текста</a:t>
             </a:r>
           </a:p>
           <a:p>
             <a:pPr lvl="1" eaLnBrk="1" latinLnBrk="0" hangingPunct="1"/>
             <a:r>
-              <a:rPr lang="ru-RU" smtClean="0"/>
+              <a:rPr lang="ru-RU"/>
               <a:t>Второй уровень</a:t>
             </a:r>
           </a:p>
           <a:p>
             <a:pPr lvl="2" eaLnBrk="1" latinLnBrk="0" hangingPunct="1"/>
             <a:r>
-              <a:rPr lang="ru-RU" smtClean="0"/>
+              <a:rPr lang="ru-RU"/>
               <a:t>Третий уровень</a:t>
             </a:r>
           </a:p>
           <a:p>
             <a:pPr lvl="3" eaLnBrk="1" latinLnBrk="0" hangingPunct="1"/>
             <a:r>
-              <a:rPr lang="ru-RU" smtClean="0"/>
+              <a:rPr lang="ru-RU"/>
               <a:t>Четвертый уровень</a:t>
             </a:r>
           </a:p>
           <a:p>
             <a:pPr lvl="4" eaLnBrk="1" latinLnBrk="0" hangingPunct="1"/>
             <a:r>
-              <a:rPr lang="ru-RU" smtClean="0"/>
+              <a:rPr lang="ru-RU"/>
               <a:t>Пятый уровень</a:t>
             </a:r>
             <a:endParaRPr kumimoji="0" lang="en-US"/>
@@ -1735,35 +1751,35 @@
           <a:p>
             <a:pPr lvl="0" eaLnBrk="1" latinLnBrk="0" hangingPunct="1"/>
             <a:r>
-              <a:rPr lang="ru-RU" smtClean="0"/>
+              <a:rPr lang="ru-RU"/>
               <a:t>Образец текста</a:t>
             </a:r>
           </a:p>
           <a:p>
             <a:pPr lvl="1" eaLnBrk="1" latinLnBrk="0" hangingPunct="1"/>
             <a:r>
-              <a:rPr lang="ru-RU" smtClean="0"/>
+              <a:rPr lang="ru-RU"/>
               <a:t>Второй уровень</a:t>
             </a:r>
           </a:p>
           <a:p>
             <a:pPr lvl="2" eaLnBrk="1" latinLnBrk="0" hangingPunct="1"/>
             <a:r>
-              <a:rPr lang="ru-RU" smtClean="0"/>
+              <a:rPr lang="ru-RU"/>
               <a:t>Третий уровень</a:t>
             </a:r>
           </a:p>
           <a:p>
             <a:pPr lvl="3" eaLnBrk="1" latinLnBrk="0" hangingPunct="1"/>
             <a:r>
-              <a:rPr lang="ru-RU" smtClean="0"/>
+              <a:rPr lang="ru-RU"/>
               <a:t>Четвертый уровень</a:t>
             </a:r>
           </a:p>
           <a:p>
             <a:pPr lvl="4" eaLnBrk="1" latinLnBrk="0" hangingPunct="1"/>
             <a:r>
-              <a:rPr lang="ru-RU" smtClean="0"/>
+              <a:rPr lang="ru-RU"/>
               <a:t>Пятый уровень</a:t>
             </a:r>
             <a:endParaRPr kumimoji="0" lang="en-US"/>
@@ -1788,7 +1804,7 @@
             <a:fld id="{C3F416CD-67A3-4CF0-A210-F6AF31AC147F}" type="datetimeFigureOut">
               <a:rPr lang="en-US" smtClean="0"/>
               <a:pPr/>
-              <a:t>3/1/2023</a:t>
+              <a:t>3/2/2023</a:t>
             </a:fld>
             <a:endParaRPr lang="en-US"/>
           </a:p>
@@ -1887,7 +1903,7 @@
           </a:lstStyle>
           <a:p>
             <a:r>
-              <a:rPr kumimoji="0" lang="ru-RU" smtClean="0"/>
+              <a:rPr kumimoji="0" lang="ru-RU"/>
               <a:t>Образец заголовка</a:t>
             </a:r>
             <a:endParaRPr kumimoji="0" lang="en-US"/>
@@ -1956,7 +1972,7 @@
           <a:p>
             <a:pPr lvl="0" eaLnBrk="1" latinLnBrk="0" hangingPunct="1"/>
             <a:r>
-              <a:rPr kumimoji="0" lang="ru-RU" smtClean="0"/>
+              <a:rPr kumimoji="0" lang="ru-RU"/>
               <a:t>Образец текста</a:t>
             </a:r>
           </a:p>
@@ -2024,7 +2040,7 @@
           <a:p>
             <a:pPr lvl="0" eaLnBrk="1" latinLnBrk="0" hangingPunct="1"/>
             <a:r>
-              <a:rPr kumimoji="0" lang="ru-RU" smtClean="0"/>
+              <a:rPr kumimoji="0" lang="ru-RU"/>
               <a:t>Образец текста</a:t>
             </a:r>
           </a:p>
@@ -2068,35 +2084,35 @@
           <a:p>
             <a:pPr lvl="0" eaLnBrk="1" latinLnBrk="0" hangingPunct="1"/>
             <a:r>
-              <a:rPr lang="ru-RU" smtClean="0"/>
+              <a:rPr lang="ru-RU"/>
               <a:t>Образец текста</a:t>
             </a:r>
           </a:p>
           <a:p>
             <a:pPr lvl="1" eaLnBrk="1" latinLnBrk="0" hangingPunct="1"/>
             <a:r>
-              <a:rPr lang="ru-RU" smtClean="0"/>
+              <a:rPr lang="ru-RU"/>
               <a:t>Второй уровень</a:t>
             </a:r>
           </a:p>
           <a:p>
             <a:pPr lvl="2" eaLnBrk="1" latinLnBrk="0" hangingPunct="1"/>
             <a:r>
-              <a:rPr lang="ru-RU" smtClean="0"/>
+              <a:rPr lang="ru-RU"/>
               <a:t>Третий уровень</a:t>
             </a:r>
           </a:p>
           <a:p>
             <a:pPr lvl="3" eaLnBrk="1" latinLnBrk="0" hangingPunct="1"/>
             <a:r>
-              <a:rPr lang="ru-RU" smtClean="0"/>
+              <a:rPr lang="ru-RU"/>
               <a:t>Четвертый уровень</a:t>
             </a:r>
           </a:p>
           <a:p>
             <a:pPr lvl="4" eaLnBrk="1" latinLnBrk="0" hangingPunct="1"/>
             <a:r>
-              <a:rPr lang="ru-RU" smtClean="0"/>
+              <a:rPr lang="ru-RU"/>
               <a:t>Пятый уровень</a:t>
             </a:r>
             <a:endParaRPr kumimoji="0" lang="en-US"/>
@@ -2141,35 +2157,35 @@
           <a:p>
             <a:pPr lvl="0" eaLnBrk="1" latinLnBrk="0" hangingPunct="1"/>
             <a:r>
-              <a:rPr lang="ru-RU" smtClean="0"/>
+              <a:rPr lang="ru-RU"/>
               <a:t>Образец текста</a:t>
             </a:r>
           </a:p>
           <a:p>
             <a:pPr lvl="1" eaLnBrk="1" latinLnBrk="0" hangingPunct="1"/>
             <a:r>
-              <a:rPr lang="ru-RU" smtClean="0"/>
+              <a:rPr lang="ru-RU"/>
               <a:t>Второй уровень</a:t>
             </a:r>
           </a:p>
           <a:p>
             <a:pPr lvl="2" eaLnBrk="1" latinLnBrk="0" hangingPunct="1"/>
             <a:r>
-              <a:rPr lang="ru-RU" smtClean="0"/>
+              <a:rPr lang="ru-RU"/>
               <a:t>Третий уровень</a:t>
             </a:r>
           </a:p>
           <a:p>
             <a:pPr lvl="3" eaLnBrk="1" latinLnBrk="0" hangingPunct="1"/>
             <a:r>
-              <a:rPr lang="ru-RU" smtClean="0"/>
+              <a:rPr lang="ru-RU"/>
               <a:t>Четвертый уровень</a:t>
             </a:r>
           </a:p>
           <a:p>
             <a:pPr lvl="4" eaLnBrk="1" latinLnBrk="0" hangingPunct="1"/>
             <a:r>
-              <a:rPr lang="ru-RU" smtClean="0"/>
+              <a:rPr lang="ru-RU"/>
               <a:t>Пятый уровень</a:t>
             </a:r>
             <a:endParaRPr kumimoji="0" lang="en-US"/>
@@ -2195,7 +2211,7 @@
             <a:fld id="{C3F416CD-67A3-4CF0-A210-F6AF31AC147F}" type="datetimeFigureOut">
               <a:rPr lang="en-US" smtClean="0"/>
               <a:pPr algn="l" eaLnBrk="1" latinLnBrk="0" hangingPunct="1"/>
-              <a:t>3/1/2023</a:t>
+              <a:t>3/2/2023</a:t>
             </a:fld>
             <a:endParaRPr lang="en-US"/>
           </a:p>
@@ -2299,7 +2315,7 @@
           </a:lstStyle>
           <a:p>
             <a:r>
-              <a:rPr kumimoji="0" lang="ru-RU" smtClean="0"/>
+              <a:rPr kumimoji="0" lang="ru-RU"/>
               <a:t>Образец заголовка</a:t>
             </a:r>
             <a:endParaRPr kumimoji="0" lang="en-US"/>
@@ -2329,7 +2345,7 @@
             <a:fld id="{C3F416CD-67A3-4CF0-A210-F6AF31AC147F}" type="datetimeFigureOut">
               <a:rPr lang="en-US" smtClean="0"/>
               <a:pPr/>
-              <a:t>3/1/2023</a:t>
+              <a:t>3/2/2023</a:t>
             </a:fld>
             <a:endParaRPr lang="en-US"/>
           </a:p>
@@ -2431,7 +2447,7 @@
             <a:fld id="{C3F416CD-67A3-4CF0-A210-F6AF31AC147F}" type="datetimeFigureOut">
               <a:rPr lang="en-US" smtClean="0"/>
               <a:pPr/>
-              <a:t>3/1/2023</a:t>
+              <a:t>3/2/2023</a:t>
             </a:fld>
             <a:endParaRPr lang="en-US"/>
           </a:p>
@@ -2531,7 +2547,7 @@
           </a:lstStyle>
           <a:p>
             <a:r>
-              <a:rPr kumimoji="0" lang="ru-RU" smtClean="0"/>
+              <a:rPr kumimoji="0" lang="ru-RU"/>
               <a:t>Образец заголовка</a:t>
             </a:r>
             <a:endParaRPr kumimoji="0" lang="en-US"/>
@@ -2581,7 +2597,7 @@
           <a:p>
             <a:pPr lvl="0" eaLnBrk="1" latinLnBrk="0" hangingPunct="1"/>
             <a:r>
-              <a:rPr kumimoji="0" lang="ru-RU" smtClean="0"/>
+              <a:rPr kumimoji="0" lang="ru-RU"/>
               <a:t>Образец текста</a:t>
             </a:r>
           </a:p>
@@ -2625,35 +2641,35 @@
           <a:p>
             <a:pPr lvl="0" eaLnBrk="1" latinLnBrk="0" hangingPunct="1"/>
             <a:r>
-              <a:rPr lang="ru-RU" smtClean="0"/>
+              <a:rPr lang="ru-RU"/>
               <a:t>Образец текста</a:t>
             </a:r>
           </a:p>
           <a:p>
             <a:pPr lvl="1" eaLnBrk="1" latinLnBrk="0" hangingPunct="1"/>
             <a:r>
-              <a:rPr lang="ru-RU" smtClean="0"/>
+              <a:rPr lang="ru-RU"/>
               <a:t>Второй уровень</a:t>
             </a:r>
           </a:p>
           <a:p>
             <a:pPr lvl="2" eaLnBrk="1" latinLnBrk="0" hangingPunct="1"/>
             <a:r>
-              <a:rPr lang="ru-RU" smtClean="0"/>
+              <a:rPr lang="ru-RU"/>
               <a:t>Третий уровень</a:t>
             </a:r>
           </a:p>
           <a:p>
             <a:pPr lvl="3" eaLnBrk="1" latinLnBrk="0" hangingPunct="1"/>
             <a:r>
-              <a:rPr lang="ru-RU" smtClean="0"/>
+              <a:rPr lang="ru-RU"/>
               <a:t>Четвертый уровень</a:t>
             </a:r>
           </a:p>
           <a:p>
             <a:pPr lvl="4" eaLnBrk="1" latinLnBrk="0" hangingPunct="1"/>
             <a:r>
-              <a:rPr lang="ru-RU" smtClean="0"/>
+              <a:rPr lang="ru-RU"/>
               <a:t>Пятый уровень</a:t>
             </a:r>
             <a:endParaRPr kumimoji="0" lang="en-US"/>
@@ -2678,7 +2694,7 @@
             <a:fld id="{C3F416CD-67A3-4CF0-A210-F6AF31AC147F}" type="datetimeFigureOut">
               <a:rPr lang="en-US" smtClean="0"/>
               <a:pPr/>
-              <a:t>3/1/2023</a:t>
+              <a:t>3/2/2023</a:t>
             </a:fld>
             <a:endParaRPr lang="en-US"/>
           </a:p>
@@ -2778,7 +2794,7 @@
           </a:lstStyle>
           <a:p>
             <a:r>
-              <a:rPr kumimoji="0" lang="ru-RU" smtClean="0"/>
+              <a:rPr kumimoji="0" lang="ru-RU"/>
               <a:t>Образец заголовка</a:t>
             </a:r>
             <a:endParaRPr kumimoji="0" lang="en-US"/>
@@ -2839,7 +2855,7 @@
           </a:lstStyle>
           <a:p>
             <a:r>
-              <a:rPr kumimoji="0" lang="ru-RU" smtClean="0"/>
+              <a:rPr kumimoji="0" lang="ru-RU"/>
               <a:t>Вставка рисунка</a:t>
             </a:r>
             <a:endParaRPr kumimoji="0" lang="en-US" dirty="0"/>
@@ -2900,7 +2916,7 @@
           <a:p>
             <a:pPr lvl="0" eaLnBrk="1" latinLnBrk="0" hangingPunct="1"/>
             <a:r>
-              <a:rPr kumimoji="0" lang="ru-RU" smtClean="0"/>
+              <a:rPr kumimoji="0" lang="ru-RU"/>
               <a:t>Образец текста</a:t>
             </a:r>
           </a:p>
@@ -2924,7 +2940,7 @@
             <a:fld id="{C3F416CD-67A3-4CF0-A210-F6AF31AC147F}" type="datetimeFigureOut">
               <a:rPr lang="en-US" smtClean="0"/>
               <a:pPr/>
-              <a:t>3/1/2023</a:t>
+              <a:t>3/2/2023</a:t>
             </a:fld>
             <a:endParaRPr lang="en-US"/>
           </a:p>
@@ -3647,7 +3663,7 @@
           <a:lstStyle/>
           <a:p>
             <a:r>
-              <a:rPr kumimoji="0" lang="ru-RU" smtClean="0"/>
+              <a:rPr kumimoji="0" lang="ru-RU"/>
               <a:t>Образец заголовка</a:t>
             </a:r>
             <a:endParaRPr kumimoji="0" lang="en-US"/>
@@ -3681,35 +3697,35 @@
           <a:p>
             <a:pPr lvl="0" eaLnBrk="1" latinLnBrk="0" hangingPunct="1"/>
             <a:r>
-              <a:rPr kumimoji="0" lang="ru-RU" smtClean="0"/>
+              <a:rPr kumimoji="0" lang="ru-RU"/>
               <a:t>Образец текста</a:t>
             </a:r>
           </a:p>
           <a:p>
             <a:pPr lvl="1" eaLnBrk="1" latinLnBrk="0" hangingPunct="1"/>
             <a:r>
-              <a:rPr kumimoji="0" lang="ru-RU" smtClean="0"/>
+              <a:rPr kumimoji="0" lang="ru-RU"/>
               <a:t>Второй уровень</a:t>
             </a:r>
           </a:p>
           <a:p>
             <a:pPr lvl="2" eaLnBrk="1" latinLnBrk="0" hangingPunct="1"/>
             <a:r>
-              <a:rPr kumimoji="0" lang="ru-RU" smtClean="0"/>
+              <a:rPr kumimoji="0" lang="ru-RU"/>
               <a:t>Третий уровень</a:t>
             </a:r>
           </a:p>
           <a:p>
             <a:pPr lvl="3" eaLnBrk="1" latinLnBrk="0" hangingPunct="1"/>
             <a:r>
-              <a:rPr kumimoji="0" lang="ru-RU" smtClean="0"/>
+              <a:rPr kumimoji="0" lang="ru-RU"/>
               <a:t>Четвертый уровень</a:t>
             </a:r>
           </a:p>
           <a:p>
             <a:pPr lvl="4" eaLnBrk="1" latinLnBrk="0" hangingPunct="1"/>
             <a:r>
-              <a:rPr kumimoji="0" lang="ru-RU" smtClean="0"/>
+              <a:rPr kumimoji="0" lang="ru-RU"/>
               <a:t>Пятый уровень</a:t>
             </a:r>
             <a:endParaRPr kumimoji="0" lang="en-US"/>
@@ -3751,7 +3767,7 @@
             <a:fld id="{C3F416CD-67A3-4CF0-A210-F6AF31AC147F}" type="datetimeFigureOut">
               <a:rPr lang="en-US" smtClean="0"/>
               <a:pPr algn="l" eaLnBrk="1" latinLnBrk="0" hangingPunct="1"/>
-              <a:t>3/1/2023</a:t>
+              <a:t>3/2/2023</a:t>
             </a:fld>
             <a:endParaRPr lang="en-US" sz="800" dirty="0">
               <a:solidFill>
@@ -4177,19 +4193,13 @@
           <a:lstStyle/>
           <a:p>
             <a:r>
-              <a:rPr lang="en-US" dirty="0" smtClean="0">
+              <a:rPr lang="en-US" dirty="0">
                 <a:latin typeface="+mn-lt"/>
               </a:rPr>
               <a:t>Brick Game</a:t>
             </a:r>
-            <a:r>
-              <a:rPr lang="ru-RU" dirty="0" smtClean="0">
-                <a:latin typeface="+mn-lt"/>
-              </a:rPr>
-              <a:t/>
-            </a:r>
             <a:br>
-              <a:rPr lang="ru-RU" dirty="0" smtClean="0">
+              <a:rPr lang="ru-RU" dirty="0">
                 <a:latin typeface="+mn-lt"/>
               </a:rPr>
             </a:br>
@@ -4215,17 +4225,17 @@
           <a:lstStyle/>
           <a:p>
             <a:r>
-              <a:rPr lang="ru-RU" dirty="0" smtClean="0"/>
+              <a:rPr lang="ru-RU" dirty="0"/>
               <a:t>Лисицын Александр</a:t>
             </a:r>
           </a:p>
           <a:p>
             <a:r>
-              <a:rPr lang="ru-RU" dirty="0" err="1" smtClean="0"/>
+              <a:rPr lang="ru-RU" dirty="0" err="1"/>
               <a:t>Вилисов</a:t>
             </a:r>
             <a:r>
-              <a:rPr lang="ru-RU" dirty="0" smtClean="0"/>
+              <a:rPr lang="ru-RU" dirty="0"/>
               <a:t> Георгий</a:t>
             </a:r>
           </a:p>
@@ -4276,14 +4286,11 @@
           <a:p>
             <a:pPr algn="ctr"/>
             <a:r>
-              <a:rPr lang="ru-RU" dirty="0" smtClean="0">
+              <a:rPr lang="ru-RU" dirty="0">
                 <a:latin typeface="+mn-lt"/>
               </a:rPr>
               <a:t>Идея</a:t>
             </a:r>
-            <a:endParaRPr lang="ru-RU" dirty="0">
-              <a:latin typeface="+mn-lt"/>
-            </a:endParaRPr>
           </a:p>
         </p:txBody>
       </p:sp>
@@ -4306,7 +4313,7 @@
               <a:buNone/>
             </a:pPr>
             <a:r>
-              <a:rPr lang="ru-RU" dirty="0" smtClean="0"/>
+              <a:rPr lang="ru-RU" dirty="0"/>
               <a:t>Идея проекта создать игру в которой нужно разрушать блоки мячиком и контролировать то, что бы он не выпал с поля.</a:t>
             </a:r>
           </a:p>
@@ -4360,10 +4367,9 @@
           <a:p>
             <a:pPr algn="ctr"/>
             <a:r>
-              <a:rPr lang="ru-RU" dirty="0" smtClean="0"/>
+              <a:rPr lang="ru-RU" dirty="0"/>
               <a:t>Реализация</a:t>
             </a:r>
-            <a:endParaRPr lang="ru-RU" dirty="0"/>
           </a:p>
         </p:txBody>
       </p:sp>
@@ -4393,159 +4399,159 @@
               <a:buNone/>
             </a:pPr>
             <a:r>
-              <a:rPr lang="en-US" dirty="0" err="1" smtClean="0"/>
+              <a:rPr lang="en-US" dirty="0" err="1"/>
               <a:t>Осн</a:t>
             </a:r>
             <a:r>
-              <a:rPr lang="ru-RU" dirty="0" smtClean="0"/>
+              <a:rPr lang="ru-RU" dirty="0"/>
               <a:t>о</a:t>
             </a:r>
             <a:r>
-              <a:rPr lang="en-US" dirty="0" err="1" smtClean="0"/>
+              <a:rPr lang="en-US" dirty="0" err="1"/>
               <a:t>вные</a:t>
             </a:r>
             <a:r>
-              <a:rPr lang="en-US" dirty="0" smtClean="0"/>
+              <a:rPr lang="en-US" dirty="0"/>
               <a:t> </a:t>
             </a:r>
             <a:r>
-              <a:rPr lang="en-US" dirty="0" err="1" smtClean="0"/>
+              <a:rPr lang="en-US" dirty="0" err="1"/>
               <a:t>классы</a:t>
             </a:r>
             <a:r>
-              <a:rPr lang="en-US" dirty="0" smtClean="0"/>
+              <a:rPr lang="en-US" dirty="0"/>
               <a:t>:</a:t>
             </a:r>
-            <a:endParaRPr lang="ru-RU" dirty="0" smtClean="0"/>
+            <a:endParaRPr lang="ru-RU" dirty="0"/>
           </a:p>
           <a:p>
             <a:pPr lvl="0"/>
             <a:r>
-              <a:rPr lang="en-US" dirty="0" smtClean="0"/>
+              <a:rPr lang="en-US" dirty="0"/>
               <a:t>Window – с</a:t>
             </a:r>
             <a:r>
-              <a:rPr lang="ru-RU" dirty="0" err="1" smtClean="0"/>
+              <a:rPr lang="ru-RU" dirty="0" err="1"/>
               <a:t>оздает</a:t>
             </a:r>
             <a:r>
-              <a:rPr lang="ru-RU" dirty="0" smtClean="0"/>
+              <a:rPr lang="ru-RU" dirty="0"/>
               <a:t> окно игры</a:t>
             </a:r>
           </a:p>
           <a:p>
             <a:pPr lvl="0"/>
             <a:r>
-              <a:rPr lang="ru-RU" dirty="0" err="1" smtClean="0"/>
+              <a:rPr lang="ru-RU" dirty="0" err="1"/>
               <a:t>MainMenuWindow</a:t>
             </a:r>
             <a:r>
-              <a:rPr lang="ru-RU" dirty="0" smtClean="0"/>
+              <a:rPr lang="ru-RU" dirty="0"/>
               <a:t> – главное меню игры</a:t>
             </a:r>
           </a:p>
           <a:p>
             <a:pPr lvl="0"/>
             <a:r>
-              <a:rPr lang="ru-RU" dirty="0" err="1" smtClean="0"/>
+              <a:rPr lang="ru-RU" dirty="0" err="1"/>
               <a:t>CampaignMenuWindow</a:t>
             </a:r>
             <a:r>
-              <a:rPr lang="ru-RU" dirty="0" smtClean="0"/>
+              <a:rPr lang="ru-RU" dirty="0"/>
               <a:t> – меню компании</a:t>
             </a:r>
           </a:p>
           <a:p>
             <a:pPr lvl="0"/>
             <a:r>
-              <a:rPr lang="ru-RU" dirty="0" err="1" smtClean="0"/>
+              <a:rPr lang="ru-RU" dirty="0" err="1"/>
               <a:t>LevelsMenuWindow</a:t>
             </a:r>
             <a:r>
-              <a:rPr lang="ru-RU" dirty="0" smtClean="0"/>
+              <a:rPr lang="ru-RU" dirty="0"/>
               <a:t> - меню выбора уровней</a:t>
             </a:r>
           </a:p>
           <a:p>
             <a:pPr lvl="0"/>
             <a:r>
-              <a:rPr lang="ru-RU" dirty="0" err="1" smtClean="0"/>
+              <a:rPr lang="ru-RU" dirty="0" err="1"/>
               <a:t>MainGameWindow</a:t>
             </a:r>
             <a:r>
-              <a:rPr lang="ru-RU" dirty="0" smtClean="0"/>
+              <a:rPr lang="ru-RU" dirty="0"/>
               <a:t> – меню основного игрового процесса</a:t>
             </a:r>
           </a:p>
           <a:p>
             <a:pPr lvl="0"/>
             <a:r>
-              <a:rPr lang="ru-RU" dirty="0" err="1" smtClean="0"/>
+              <a:rPr lang="ru-RU" dirty="0" err="1"/>
               <a:t>SkinsMenu</a:t>
             </a:r>
             <a:r>
-              <a:rPr lang="ru-RU" dirty="0" smtClean="0"/>
+              <a:rPr lang="ru-RU" dirty="0"/>
               <a:t> – меню выбора </a:t>
             </a:r>
             <a:r>
-              <a:rPr lang="ru-RU" dirty="0" err="1" smtClean="0"/>
+              <a:rPr lang="ru-RU" dirty="0" err="1"/>
               <a:t>скинов</a:t>
             </a:r>
-            <a:endParaRPr lang="ru-RU" dirty="0" smtClean="0"/>
+            <a:endParaRPr lang="ru-RU" dirty="0"/>
           </a:p>
           <a:p>
             <a:pPr lvl="0"/>
             <a:r>
-              <a:rPr lang="ru-RU" dirty="0" err="1" smtClean="0"/>
+              <a:rPr lang="ru-RU" dirty="0" err="1"/>
               <a:t>MapMaker</a:t>
             </a:r>
             <a:r>
-              <a:rPr lang="ru-RU" dirty="0" smtClean="0"/>
+              <a:rPr lang="ru-RU" dirty="0"/>
               <a:t> – меню создания пользовательских карт</a:t>
             </a:r>
           </a:p>
           <a:p>
             <a:pPr lvl="0"/>
             <a:r>
-              <a:rPr lang="ru-RU" dirty="0" err="1" smtClean="0"/>
+              <a:rPr lang="ru-RU" dirty="0" err="1"/>
               <a:t>WindowMaster</a:t>
             </a:r>
             <a:r>
-              <a:rPr lang="ru-RU" dirty="0" smtClean="0"/>
+              <a:rPr lang="ru-RU" dirty="0"/>
               <a:t> – контролируют меню, отвечает за </a:t>
             </a:r>
             <a:r>
-              <a:rPr lang="ru-RU" dirty="0" err="1" smtClean="0"/>
+              <a:rPr lang="ru-RU" dirty="0" err="1"/>
               <a:t>выброное</a:t>
             </a:r>
             <a:r>
-              <a:rPr lang="ru-RU" dirty="0" smtClean="0"/>
+              <a:rPr lang="ru-RU" dirty="0"/>
               <a:t> меню</a:t>
             </a:r>
           </a:p>
           <a:p>
             <a:pPr lvl="0"/>
             <a:r>
-              <a:rPr lang="ru-RU" dirty="0" err="1" smtClean="0"/>
+              <a:rPr lang="ru-RU" dirty="0" err="1"/>
               <a:t>Cursor</a:t>
             </a:r>
             <a:r>
-              <a:rPr lang="ru-RU" dirty="0" smtClean="0"/>
+              <a:rPr lang="ru-RU" dirty="0"/>
               <a:t> – отвечает за работу с базой данных</a:t>
             </a:r>
           </a:p>
           <a:p>
             <a:pPr lvl="0"/>
             <a:r>
-              <a:rPr lang="ru-RU" dirty="0" smtClean="0"/>
+              <a:rPr lang="ru-RU" dirty="0"/>
               <a:t> </a:t>
             </a:r>
             <a:r>
-              <a:rPr lang="ru-RU" dirty="0" err="1" smtClean="0"/>
+              <a:rPr lang="ru-RU" dirty="0" err="1"/>
               <a:t>Button</a:t>
             </a:r>
             <a:r>
-              <a:rPr lang="ru-RU" dirty="0" smtClean="0"/>
+              <a:rPr lang="ru-RU" dirty="0"/>
               <a:t> – отвечает за кнопки(на окне) в игре</a:t>
             </a:r>
           </a:p>
@@ -4617,57 +4623,55 @@
               <a:buNone/>
             </a:pPr>
             <a:r>
-              <a:rPr lang="ru-RU" dirty="0" smtClean="0"/>
+              <a:rPr lang="ru-RU" dirty="0"/>
               <a:t>Технологии:</a:t>
             </a:r>
           </a:p>
           <a:p>
             <a:pPr lvl="0"/>
             <a:r>
-              <a:rPr lang="en-US" dirty="0" err="1" smtClean="0"/>
+              <a:rPr lang="en-US" dirty="0" err="1"/>
               <a:t>PyQT</a:t>
             </a:r>
             <a:r>
-              <a:rPr lang="ru-RU" dirty="0" smtClean="0"/>
+              <a:rPr lang="ru-RU" dirty="0"/>
               <a:t> – сохранение пользовательской карты</a:t>
             </a:r>
           </a:p>
           <a:p>
             <a:pPr lvl="0"/>
             <a:r>
-              <a:rPr lang="en-US" dirty="0" err="1" smtClean="0"/>
+              <a:rPr lang="en-US" dirty="0" err="1"/>
               <a:t>Sqlite</a:t>
             </a:r>
             <a:r>
-              <a:rPr lang="ru-RU" dirty="0" smtClean="0"/>
+              <a:rPr lang="ru-RU" dirty="0"/>
               <a:t> – работа с базой данных</a:t>
             </a:r>
           </a:p>
           <a:p>
             <a:pPr lvl="0"/>
             <a:r>
-              <a:rPr lang="en-US" dirty="0" err="1" smtClean="0"/>
+              <a:rPr lang="en-US" dirty="0" err="1"/>
               <a:t>PyGame</a:t>
             </a:r>
             <a:r>
-              <a:rPr lang="en-US" dirty="0" smtClean="0"/>
+              <a:rPr lang="en-US" dirty="0"/>
               <a:t> – </a:t>
             </a:r>
             <a:r>
-              <a:rPr lang="en-US" dirty="0" err="1" smtClean="0"/>
+              <a:rPr lang="en-US" dirty="0" err="1"/>
               <a:t>вся</a:t>
             </a:r>
             <a:r>
-              <a:rPr lang="en-US" dirty="0" smtClean="0"/>
+              <a:rPr lang="en-US" dirty="0"/>
               <a:t> </a:t>
             </a:r>
             <a:r>
-              <a:rPr lang="ru-RU" dirty="0" smtClean="0"/>
+              <a:rPr lang="ru-RU"/>
               <a:t>игра</a:t>
             </a:r>
-          </a:p>
-          <a:p>
-            <a:endParaRPr lang="ru-RU" dirty="0"/>
+            <a:endParaRPr lang="en-US" dirty="0"/>
           </a:p>
         </p:txBody>
       </p:sp>
@@ -4713,10 +4717,9 @@
           <a:p>
             <a:pPr algn="ctr"/>
             <a:r>
-              <a:rPr lang="ru-RU" dirty="0" smtClean="0"/>
+              <a:rPr lang="ru-RU" dirty="0"/>
               <a:t>Вывод</a:t>
             </a:r>
-            <a:endParaRPr lang="ru-RU" dirty="0"/>
           </a:p>
         </p:txBody>
       </p:sp>
@@ -4739,15 +4742,15 @@
               <a:buNone/>
             </a:pPr>
             <a:r>
-              <a:rPr lang="ru-RU" dirty="0" smtClean="0"/>
+              <a:rPr lang="ru-RU" dirty="0"/>
               <a:t>Данная игра может позволить </a:t>
             </a:r>
             <a:r>
-              <a:rPr lang="ru-RU" dirty="0" err="1" smtClean="0"/>
+              <a:rPr lang="ru-RU" dirty="0" err="1"/>
               <a:t>раслабиться</a:t>
             </a:r>
             <a:r>
-              <a:rPr lang="ru-RU" dirty="0" smtClean="0"/>
+              <a:rPr lang="ru-RU" dirty="0"/>
               <a:t> и убить свободное время.</a:t>
             </a:r>
           </a:p>
@@ -4756,7 +4759,7 @@
               <a:buNone/>
             </a:pPr>
             <a:r>
-              <a:rPr lang="ru-RU" sz="3600" dirty="0" smtClean="0"/>
+              <a:rPr lang="ru-RU" sz="3600" dirty="0"/>
               <a:t>Возможности</a:t>
             </a:r>
           </a:p>
@@ -4765,17 +4768,17 @@
               <a:buNone/>
             </a:pPr>
             <a:r>
-              <a:rPr lang="ru-RU" dirty="0" err="1" smtClean="0"/>
+              <a:rPr lang="ru-RU" dirty="0" err="1"/>
               <a:t>Раслабиться</a:t>
             </a:r>
-            <a:endParaRPr lang="ru-RU" dirty="0" smtClean="0"/>
+            <a:endParaRPr lang="ru-RU" dirty="0"/>
           </a:p>
           <a:p>
             <a:pPr marL="0" indent="256032" algn="just">
               <a:buNone/>
             </a:pPr>
             <a:r>
-              <a:rPr lang="ru-RU" sz="3600" dirty="0" smtClean="0"/>
+              <a:rPr lang="ru-RU" sz="3600" dirty="0"/>
               <a:t>Развитие</a:t>
             </a:r>
           </a:p>
@@ -4784,10 +4787,9 @@
               <a:buNone/>
             </a:pPr>
             <a:r>
-              <a:rPr lang="ru-RU" dirty="0" smtClean="0"/>
+              <a:rPr lang="ru-RU" dirty="0"/>
               <a:t>Улучшение дизайна, добавление новых режимов, мастерской</a:t>
             </a:r>
-            <a:endParaRPr lang="ru-RU" dirty="0" smtClean="0"/>
           </a:p>
           <a:p>
             <a:pPr marL="0" indent="256032" algn="just">
